--- a/Daily Agendas/Day2.5_Programming1.pptx
+++ b/Daily Agendas/Day2.5_Programming1.pptx
@@ -3238,11 +3238,7 @@
             </a:r>
             <a:r>
               <a:rPr lang="en-US" dirty="0" smtClean="0"/>
-              <a:t> </a:t>
-            </a:r>
-            <a:r>
-              <a:rPr lang="en-US" dirty="0" smtClean="0"/>
-              <a:t>D1</a:t>
+              <a:t> D1</a:t>
             </a:r>
           </a:p>
           <a:p>
@@ -3407,7 +3403,6 @@
               <a:rPr lang="en-CA" dirty="0" smtClean="0"/>
               <a:t>Level 3 Conditionals &amp; Arrays (Begin)</a:t>
             </a:r>
-            <a:endParaRPr lang="en-CA" dirty="0" smtClean="0"/>
           </a:p>
           <a:p>
             <a:pPr lvl="2"/>
@@ -3444,11 +3439,7 @@
             <a:pPr lvl="1"/>
             <a:r>
               <a:rPr lang="en-US" dirty="0" smtClean="0"/>
-              <a:t>Monday: </a:t>
-            </a:r>
-            <a:r>
-              <a:rPr lang="en-US" dirty="0" smtClean="0"/>
-              <a:t>More Java Introduction</a:t>
+              <a:t>Monday: More Java Introduction</a:t>
             </a:r>
             <a:endParaRPr lang="en-US" dirty="0"/>
           </a:p>
@@ -3464,6 +3455,13 @@
   <p:clrMapOvr>
     <a:masterClrMapping/>
   </p:clrMapOvr>
+  <p:timing>
+    <p:tnLst>
+      <p:par>
+        <p:cTn id="1" dur="indefinite" restart="never" nodeType="tmRoot"/>
+      </p:par>
+    </p:tnLst>
+  </p:timing>
 </p:sld>
 </file>
 
@@ -3571,8 +3569,13 @@
             </a:br>
             <a:r>
               <a:rPr lang="en-CA" sz="2400" dirty="0" smtClean="0"/>
-              <a:t>round (8 / 4)</a:t>
-            </a:r>
+              <a:t>round (8 / </a:t>
+            </a:r>
+            <a:r>
+              <a:rPr lang="en-CA" sz="2400" dirty="0" smtClean="0"/>
+              <a:t>3)</a:t>
+            </a:r>
+            <a:endParaRPr lang="en-CA" sz="2400" dirty="0" smtClean="0"/>
           </a:p>
           <a:p>
             <a:endParaRPr lang="en-CA" sz="2400" dirty="0"/>
@@ -3605,6 +3608,13 @@
   <p:clrMapOvr>
     <a:masterClrMapping/>
   </p:clrMapOvr>
+  <p:timing>
+    <p:tnLst>
+      <p:par>
+        <p:cTn id="1" dur="indefinite" restart="never" nodeType="tmRoot"/>
+      </p:par>
+    </p:tnLst>
+  </p:timing>
 </p:sld>
 </file>
 
@@ -3747,6 +3757,13 @@
   <p:clrMapOvr>
     <a:masterClrMapping/>
   </p:clrMapOvr>
+  <p:timing>
+    <p:tnLst>
+      <p:par>
+        <p:cTn id="1" dur="indefinite" restart="never" nodeType="tmRoot"/>
+      </p:par>
+    </p:tnLst>
+  </p:timing>
 </p:sld>
 </file>
 
@@ -3890,6 +3907,13 @@
   <p:clrMapOvr>
     <a:masterClrMapping/>
   </p:clrMapOvr>
+  <p:timing>
+    <p:tnLst>
+      <p:par>
+        <p:cTn id="1" dur="indefinite" restart="never" nodeType="tmRoot"/>
+      </p:par>
+    </p:tnLst>
+  </p:timing>
 </p:sld>
 </file>
 
@@ -4027,6 +4051,13 @@
   <p:clrMapOvr>
     <a:masterClrMapping/>
   </p:clrMapOvr>
+  <p:timing>
+    <p:tnLst>
+      <p:par>
+        <p:cTn id="1" dur="indefinite" restart="never" nodeType="tmRoot"/>
+      </p:par>
+    </p:tnLst>
+  </p:timing>
 </p:sld>
 </file>
 
@@ -4174,6 +4205,13 @@
   <p:clrMapOvr>
     <a:masterClrMapping/>
   </p:clrMapOvr>
+  <p:timing>
+    <p:tnLst>
+      <p:par>
+        <p:cTn id="1" dur="indefinite" restart="never" nodeType="tmRoot"/>
+      </p:par>
+    </p:tnLst>
+  </p:timing>
 </p:sld>
 </file>
 
@@ -4312,7 +4350,11 @@
             </a:r>
             <a:r>
               <a:rPr lang="en-CA" dirty="0" smtClean="0"/>
-              <a:t>“ - “dog”</a:t>
+              <a:t>dog“ </a:t>
+            </a:r>
+            <a:r>
+              <a:rPr lang="en-CA" dirty="0" smtClean="0"/>
+              <a:t>- “dog”</a:t>
             </a:r>
             <a:br>
               <a:rPr lang="en-CA" dirty="0" smtClean="0"/>
@@ -4323,7 +4365,27 @@
             </a:r>
             <a:r>
               <a:rPr lang="en-CA" dirty="0"/>
-              <a:t> = “cat” </a:t>
+              <a:t> = “</a:t>
+            </a:r>
+            <a:r>
+              <a:rPr lang="en-CA" dirty="0" smtClean="0"/>
+              <a:t>cat </a:t>
+            </a:r>
+            <a:r>
+              <a:rPr lang="en-CA" dirty="0" err="1" smtClean="0"/>
+              <a:t>cat</a:t>
+            </a:r>
+            <a:r>
+              <a:rPr lang="en-CA" dirty="0" smtClean="0"/>
+              <a:t> </a:t>
+            </a:r>
+            <a:r>
+              <a:rPr lang="en-CA" dirty="0" err="1" smtClean="0"/>
+              <a:t>cat</a:t>
+            </a:r>
+            <a:r>
+              <a:rPr lang="en-CA" dirty="0" smtClean="0"/>
+              <a:t>” </a:t>
             </a:r>
             <a:r>
               <a:rPr lang="en-CA" dirty="0" smtClean="0"/>
@@ -4362,6 +4424,13 @@
   <p:clrMapOvr>
     <a:masterClrMapping/>
   </p:clrMapOvr>
+  <p:timing>
+    <p:tnLst>
+      <p:par>
+        <p:cTn id="1" dur="indefinite" restart="never" nodeType="tmRoot"/>
+      </p:par>
+    </p:tnLst>
+  </p:timing>
 </p:sld>
 </file>
 
@@ -4542,6 +4611,13 @@
   <p:clrMapOvr>
     <a:masterClrMapping/>
   </p:clrMapOvr>
+  <p:timing>
+    <p:tnLst>
+      <p:par>
+        <p:cTn id="1" dur="indefinite" restart="never" nodeType="tmRoot"/>
+      </p:par>
+    </p:tnLst>
+  </p:timing>
 </p:sld>
 </file>
 
